--- a/docs/Unkaos architecture.pptx
+++ b/docs/Unkaos architecture.pptx
@@ -3570,7 +3570,9 @@
             <a:ext cx="8497047" cy="501650"/>
           </a:xfrm>
           <a:prstGeom prst="roundRect">
-            <a:avLst/>
+            <a:avLst>
+              <a:gd name="adj" fmla="val 50000"/>
+            </a:avLst>
           </a:prstGeom>
           <a:solidFill>
             <a:schemeClr val="bg1">
@@ -3607,36 +3609,94 @@
           </a:fontRef>
         </p:style>
         <p:txBody>
-          <a:bodyPr rtlCol="0" anchor="ctr"/>
+          <a:bodyPr rtlCol="0" anchor="ctr">
+            <a:scene3d>
+              <a:camera prst="orthographicFront"/>
+              <a:lightRig rig="threePt" dir="t"/>
+            </a:scene3d>
+            <a:sp3d extrusionH="57150">
+              <a:bevelT h="50800" prst="softRound"/>
+            </a:sp3d>
+          </a:bodyPr>
           <a:lstStyle/>
           <a:p>
             <a:pPr algn="ctr"/>
+            <a:r>
+              <a:rPr lang="en-US" sz="2000" dirty="0">
+                <a:solidFill>
+                  <a:schemeClr val="tx1">
+                    <a:lumMod val="65000"/>
+                    <a:lumOff val="35000"/>
+                  </a:schemeClr>
+                </a:solidFill>
+                <a:effectLst>
+                  <a:outerShdw blurRad="203200" dist="50800" dir="5400000" sx="102000" sy="102000" algn="ctr" rotWithShape="0">
+                    <a:schemeClr val="accent1">
+                      <a:lumMod val="75000"/>
+                      <a:alpha val="36000"/>
+                    </a:schemeClr>
+                  </a:outerShdw>
+                </a:effectLst>
+                <a:latin typeface="Bahnschrift" panose="020B0502040204020203" pitchFamily="34" charset="0"/>
+              </a:rPr>
+              <a:t>Client</a:t>
+            </a:r>
             <a:r>
               <a:rPr lang="en-US" dirty="0">
                 <a:solidFill>
-                  <a:schemeClr val="bg2">
-                    <a:lumMod val="25000"/>
+                  <a:schemeClr val="tx1">
+                    <a:lumMod val="65000"/>
+                    <a:lumOff val="35000"/>
                   </a:schemeClr>
                 </a:solidFill>
+                <a:effectLst>
+                  <a:outerShdw blurRad="203200" dist="50800" dir="5400000" sx="102000" sy="102000" algn="ctr" rotWithShape="0">
+                    <a:schemeClr val="accent1">
+                      <a:lumMod val="75000"/>
+                      <a:alpha val="36000"/>
+                    </a:schemeClr>
+                  </a:outerShdw>
+                </a:effectLst>
+                <a:latin typeface="Bahnschrift" panose="020B0502040204020203" pitchFamily="34" charset="0"/>
               </a:rPr>
-              <a:t>Client </a:t>
+              <a:t> </a:t>
             </a:r>
             <a:r>
               <a:rPr lang="en-US" sz="1400" i="1" dirty="0">
                 <a:solidFill>
-                  <a:schemeClr val="bg2">
-                    <a:lumMod val="25000"/>
+                  <a:schemeClr val="tx1">
+                    <a:lumMod val="65000"/>
+                    <a:lumOff val="35000"/>
                   </a:schemeClr>
                 </a:solidFill>
+                <a:effectLst>
+                  <a:outerShdw blurRad="203200" dist="50800" dir="5400000" sx="102000" sy="102000" algn="ctr" rotWithShape="0">
+                    <a:schemeClr val="accent1">
+                      <a:lumMod val="75000"/>
+                      <a:alpha val="36000"/>
+                    </a:schemeClr>
+                  </a:outerShdw>
+                </a:effectLst>
+                <a:latin typeface="Bahnschrift" panose="020B0502040204020203" pitchFamily="34" charset="0"/>
               </a:rPr>
               <a:t>Vue3</a:t>
             </a:r>
             <a:endParaRPr lang="en-US" i="1" dirty="0">
               <a:solidFill>
-                <a:schemeClr val="bg2">
-                  <a:lumMod val="25000"/>
+                <a:schemeClr val="tx1">
+                  <a:lumMod val="65000"/>
+                  <a:lumOff val="35000"/>
                 </a:schemeClr>
               </a:solidFill>
+              <a:effectLst>
+                <a:outerShdw blurRad="203200" dist="50800" dir="5400000" sx="102000" sy="102000" algn="ctr" rotWithShape="0">
+                  <a:schemeClr val="accent1">
+                    <a:lumMod val="75000"/>
+                    <a:alpha val="36000"/>
+                  </a:schemeClr>
+                </a:outerShdw>
+              </a:effectLst>
+              <a:latin typeface="Bahnschrift" panose="020B0502040204020203" pitchFamily="34" charset="0"/>
             </a:endParaRPr>
           </a:p>
         </p:txBody>
@@ -3873,9 +3933,9 @@
           <p:nvPr/>
         </p:nvSpPr>
         <p:spPr>
-          <a:xfrm flipH="1">
-            <a:off x="3205625" y="4759007"/>
-            <a:ext cx="2301242" cy="369332"/>
+          <a:xfrm>
+            <a:off x="3341518" y="4875947"/>
+            <a:ext cx="1606402" cy="261610"/>
           </a:xfrm>
           <a:prstGeom prst="rect">
             <a:avLst/>
@@ -3884,6 +3944,11 @@
         </p:spPr>
         <p:txBody>
           <a:bodyPr wrap="square" rtlCol="0">
+            <a:prstTxWarp prst="textInflateBottom">
+              <a:avLst>
+                <a:gd name="adj" fmla="val 83223"/>
+              </a:avLst>
+            </a:prstTxWarp>
             <a:spAutoFit/>
           </a:bodyPr>
           <a:lstStyle/>
@@ -3893,6 +3958,13 @@
                 <a:solidFill>
                   <a:schemeClr val="bg1"/>
                 </a:solidFill>
+                <a:effectLst>
+                  <a:outerShdw blurRad="38100" dist="38100" dir="2700000" algn="tl">
+                    <a:srgbClr val="000000">
+                      <a:alpha val="43137"/>
+                    </a:srgbClr>
+                  </a:outerShdw>
+                </a:effectLst>
                 <a:latin typeface="Bahnschrift Light" panose="020B0502040204020203" pitchFamily="34" charset="0"/>
               </a:rPr>
               <a:t>DB </a:t>
@@ -3902,6 +3974,13 @@
                 <a:solidFill>
                   <a:schemeClr val="bg1"/>
                 </a:solidFill>
+                <a:effectLst>
+                  <a:outerShdw blurRad="38100" dist="38100" dir="2700000" algn="tl">
+                    <a:srgbClr val="000000">
+                      <a:alpha val="43137"/>
+                    </a:srgbClr>
+                  </a:outerShdw>
+                </a:effectLst>
                 <a:latin typeface="Bahnschrift Light" panose="020B0502040204020203" pitchFamily="34" charset="0"/>
               </a:rPr>
               <a:t>PostgreSQL</a:t>
@@ -3910,6 +3989,13 @@
               <a:solidFill>
                 <a:schemeClr val="bg1"/>
               </a:solidFill>
+              <a:effectLst>
+                <a:outerShdw blurRad="38100" dist="38100" dir="2700000" algn="tl">
+                  <a:srgbClr val="000000">
+                    <a:alpha val="43137"/>
+                  </a:srgbClr>
+                </a:outerShdw>
+              </a:effectLst>
               <a:latin typeface="Bahnschrift Light" panose="020B0502040204020203" pitchFamily="34" charset="0"/>
             </a:endParaRPr>
           </a:p>
@@ -4211,7 +4297,7 @@
         <p:spPr>
           <a:xfrm flipV="1">
             <a:off x="4760852" y="3520595"/>
-            <a:ext cx="0" cy="507683"/>
+            <a:ext cx="0" cy="507684"/>
           </a:xfrm>
           <a:prstGeom prst="straightConnector1">
             <a:avLst/>
@@ -4266,8 +4352,8 @@
         </p:nvCxnSpPr>
         <p:spPr>
           <a:xfrm flipV="1">
-            <a:off x="4760852" y="1918490"/>
-            <a:ext cx="0" cy="1127125"/>
+            <a:off x="4760852" y="1918491"/>
+            <a:ext cx="0" cy="1127124"/>
           </a:xfrm>
           <a:prstGeom prst="straightConnector1">
             <a:avLst/>
@@ -4378,8 +4464,8 @@
         </p:nvCxnSpPr>
         <p:spPr>
           <a:xfrm flipV="1">
-            <a:off x="7417996" y="1918490"/>
-            <a:ext cx="0" cy="1127125"/>
+            <a:off x="7417996" y="1918491"/>
+            <a:ext cx="0" cy="1127124"/>
           </a:xfrm>
           <a:prstGeom prst="straightConnector1">
             <a:avLst/>
@@ -4542,9 +4628,9 @@
           <p:nvPr/>
         </p:nvSpPr>
         <p:spPr>
-          <a:xfrm flipH="1">
-            <a:off x="8570702" y="4683586"/>
-            <a:ext cx="2301242" cy="369332"/>
+          <a:xfrm>
+            <a:off x="8366727" y="4772342"/>
+            <a:ext cx="2068041" cy="307920"/>
           </a:xfrm>
           <a:prstGeom prst="rect">
             <a:avLst/>
@@ -4553,6 +4639,11 @@
         </p:spPr>
         <p:txBody>
           <a:bodyPr wrap="square" rtlCol="0">
+            <a:prstTxWarp prst="textInflateBottom">
+              <a:avLst>
+                <a:gd name="adj" fmla="val 63759"/>
+              </a:avLst>
+            </a:prstTxWarp>
             <a:spAutoFit/>
           </a:bodyPr>
           <a:lstStyle/>
@@ -4562,6 +4653,13 @@
                 <a:solidFill>
                   <a:schemeClr val="bg1"/>
                 </a:solidFill>
+                <a:effectLst>
+                  <a:outerShdw blurRad="38100" dist="38100" dir="2700000" algn="tl">
+                    <a:srgbClr val="000000">
+                      <a:alpha val="43137"/>
+                    </a:srgbClr>
+                  </a:outerShdw>
+                </a:effectLst>
                 <a:latin typeface="Bahnschrift Light" panose="020B0502040204020203" pitchFamily="34" charset="0"/>
               </a:rPr>
               <a:t>DB Cash </a:t>
@@ -4571,6 +4669,13 @@
                 <a:solidFill>
                   <a:schemeClr val="bg1"/>
                 </a:solidFill>
+                <a:effectLst>
+                  <a:outerShdw blurRad="38100" dist="38100" dir="2700000" algn="tl">
+                    <a:srgbClr val="000000">
+                      <a:alpha val="43137"/>
+                    </a:srgbClr>
+                  </a:outerShdw>
+                </a:effectLst>
                 <a:latin typeface="Bahnschrift Light" panose="020B0502040204020203" pitchFamily="34" charset="0"/>
               </a:rPr>
               <a:t>Memcashed</a:t>
@@ -4580,6 +4685,13 @@
                 <a:solidFill>
                   <a:schemeClr val="bg1"/>
                 </a:solidFill>
+                <a:effectLst>
+                  <a:outerShdw blurRad="38100" dist="38100" dir="2700000" algn="tl">
+                    <a:srgbClr val="000000">
+                      <a:alpha val="43137"/>
+                    </a:srgbClr>
+                  </a:outerShdw>
+                </a:effectLst>
                 <a:latin typeface="Bahnschrift Light" panose="020B0502040204020203" pitchFamily="34" charset="0"/>
               </a:rPr>
               <a:t> </a:t>
@@ -4588,6 +4700,13 @@
               <a:solidFill>
                 <a:schemeClr val="bg1"/>
               </a:solidFill>
+              <a:effectLst>
+                <a:outerShdw blurRad="38100" dist="38100" dir="2700000" algn="tl">
+                  <a:srgbClr val="000000">
+                    <a:alpha val="43137"/>
+                  </a:srgbClr>
+                </a:outerShdw>
+              </a:effectLst>
               <a:latin typeface="Bahnschrift Light" panose="020B0502040204020203" pitchFamily="34" charset="0"/>
             </a:endParaRPr>
           </a:p>
@@ -5118,8 +5237,8 @@
         </p:nvCxnSpPr>
         <p:spPr>
           <a:xfrm flipH="1" flipV="1">
-            <a:off x="10507679" y="811117"/>
-            <a:ext cx="6726" cy="633981"/>
+            <a:off x="10507679" y="811118"/>
+            <a:ext cx="6726" cy="633980"/>
           </a:xfrm>
           <a:prstGeom prst="straightConnector1">
             <a:avLst/>
@@ -5229,8 +5348,8 @@
         </p:nvCxnSpPr>
         <p:spPr>
           <a:xfrm flipV="1">
-            <a:off x="8918090" y="1928651"/>
-            <a:ext cx="0" cy="327025"/>
+            <a:off x="8918090" y="1928652"/>
+            <a:ext cx="0" cy="327024"/>
           </a:xfrm>
           <a:prstGeom prst="straightConnector1">
             <a:avLst/>
@@ -5286,7 +5405,9 @@
             <a:ext cx="5984241" cy="474980"/>
           </a:xfrm>
           <a:prstGeom prst="roundRect">
-            <a:avLst/>
+            <a:avLst>
+              <a:gd name="adj" fmla="val 31288"/>
+            </a:avLst>
           </a:prstGeom>
           <a:solidFill>
             <a:schemeClr val="tx1">
@@ -5373,7 +5494,9 @@
             <a:ext cx="2176632" cy="474980"/>
           </a:xfrm>
           <a:prstGeom prst="roundRect">
-            <a:avLst/>
+            <a:avLst>
+              <a:gd name="adj" fmla="val 31288"/>
+            </a:avLst>
           </a:prstGeom>
           <a:solidFill>
             <a:schemeClr val="tx1">
@@ -5460,7 +5583,9 @@
             <a:ext cx="2176632" cy="474980"/>
           </a:xfrm>
           <a:prstGeom prst="roundRect">
-            <a:avLst/>
+            <a:avLst>
+              <a:gd name="adj" fmla="val 31288"/>
+            </a:avLst>
           </a:prstGeom>
           <a:solidFill>
             <a:schemeClr val="tx1">
@@ -5547,7 +5672,9 @@
             <a:ext cx="2176632" cy="474980"/>
           </a:xfrm>
           <a:prstGeom prst="roundRect">
-            <a:avLst/>
+            <a:avLst>
+              <a:gd name="adj" fmla="val 28851"/>
+            </a:avLst>
           </a:prstGeom>
           <a:solidFill>
             <a:schemeClr val="tx1">
@@ -5624,7 +5751,9 @@
             <a:ext cx="2176632" cy="474980"/>
           </a:xfrm>
           <a:prstGeom prst="roundRect">
-            <a:avLst/>
+            <a:avLst>
+              <a:gd name="adj" fmla="val 33725"/>
+            </a:avLst>
           </a:prstGeom>
           <a:solidFill>
             <a:schemeClr val="tx1">
@@ -5701,7 +5830,9 @@
             <a:ext cx="2176632" cy="474980"/>
           </a:xfrm>
           <a:prstGeom prst="roundRect">
-            <a:avLst/>
+            <a:avLst>
+              <a:gd name="adj" fmla="val 36162"/>
+            </a:avLst>
           </a:prstGeom>
           <a:solidFill>
             <a:schemeClr val="tx1">
@@ -5788,7 +5919,9 @@
             <a:ext cx="2176632" cy="474980"/>
           </a:xfrm>
           <a:prstGeom prst="roundRect">
-            <a:avLst/>
+            <a:avLst>
+              <a:gd name="adj" fmla="val 33725"/>
+            </a:avLst>
           </a:prstGeom>
           <a:solidFill>
             <a:schemeClr val="tx1">

--- a/docs/Unkaos architecture.pptx
+++ b/docs/Unkaos architecture.pptx
@@ -3664,9 +3664,8 @@
             <a:r>
               <a:rPr lang="en-US" sz="1400" i="1" dirty="0">
                 <a:solidFill>
-                  <a:schemeClr val="tx1">
-                    <a:lumMod val="65000"/>
-                    <a:lumOff val="35000"/>
+                  <a:schemeClr val="bg2">
+                    <a:lumMod val="75000"/>
                   </a:schemeClr>
                 </a:solidFill>
                 <a:effectLst>
@@ -3683,9 +3682,8 @@
             </a:r>
             <a:endParaRPr lang="en-US" i="1" dirty="0">
               <a:solidFill>
-                <a:schemeClr val="tx1">
-                  <a:lumMod val="65000"/>
-                  <a:lumOff val="35000"/>
+                <a:schemeClr val="bg2">
+                  <a:lumMod val="75000"/>
                 </a:schemeClr>
               </a:solidFill>
               <a:effectLst>
@@ -3972,7 +3970,9 @@
             <a:r>
               <a:rPr lang="en-US" sz="1400" i="1" dirty="0">
                 <a:solidFill>
-                  <a:schemeClr val="bg1"/>
+                  <a:schemeClr val="bg1">
+                    <a:lumMod val="75000"/>
+                  </a:schemeClr>
                 </a:solidFill>
                 <a:effectLst>
                   <a:outerShdw blurRad="38100" dist="38100" dir="2700000" algn="tl">
@@ -3987,7 +3987,9 @@
             </a:r>
             <a:endParaRPr lang="ru-RU" i="1" dirty="0">
               <a:solidFill>
-                <a:schemeClr val="bg1"/>
+                <a:schemeClr val="bg1">
+                  <a:lumMod val="75000"/>
+                </a:schemeClr>
               </a:solidFill>
               <a:effectLst>
                 <a:outerShdw blurRad="38100" dist="38100" dir="2700000" algn="tl">
@@ -4629,7 +4631,7 @@
         </p:nvSpPr>
         <p:spPr>
           <a:xfrm>
-            <a:off x="8366727" y="4772342"/>
+            <a:off x="8434199" y="4797695"/>
             <a:ext cx="2068041" cy="307920"/>
           </a:xfrm>
           <a:prstGeom prst="rect">
@@ -4667,7 +4669,9 @@
             <a:r>
               <a:rPr lang="en-US" sz="1400" i="1" dirty="0" err="1">
                 <a:solidFill>
-                  <a:schemeClr val="bg1"/>
+                  <a:schemeClr val="bg1">
+                    <a:lumMod val="75000"/>
+                  </a:schemeClr>
                 </a:solidFill>
                 <a:effectLst>
                   <a:outerShdw blurRad="38100" dist="38100" dir="2700000" algn="tl">
@@ -4743,8 +4747,8 @@
         </p:blipFill>
         <p:spPr>
           <a:xfrm>
-            <a:off x="9877631" y="6035040"/>
-            <a:ext cx="683390" cy="683390"/>
+            <a:off x="9877631" y="6026075"/>
+            <a:ext cx="661372" cy="661372"/>
           </a:xfrm>
           <a:prstGeom prst="rect">
             <a:avLst/>
@@ -4815,7 +4819,7 @@
         </p:nvSpPr>
         <p:spPr>
           <a:xfrm>
-            <a:off x="10435515" y="6360399"/>
+            <a:off x="10435515" y="6342469"/>
             <a:ext cx="1783977" cy="353943"/>
           </a:xfrm>
           <a:prstGeom prst="rect">
@@ -6011,15 +6015,23 @@
             <a:r>
               <a:rPr lang="en-US" sz="1400" i="1" dirty="0">
                 <a:solidFill>
-                  <a:schemeClr val="bg2">
-                    <a:lumMod val="25000"/>
+                  <a:schemeClr val="tx1">
+                    <a:lumMod val="65000"/>
+                    <a:lumOff val="35000"/>
                   </a:schemeClr>
                 </a:solidFill>
                 <a:latin typeface="Bahnschrift Light SemiCondensed" panose="020B0502040204020203" pitchFamily="34" charset="0"/>
               </a:rPr>
               <a:t>Node.js with TypeScript</a:t>
             </a:r>
-            <a:endParaRPr lang="ru-RU" sz="1400" i="1" dirty="0"/>
+            <a:endParaRPr lang="ru-RU" sz="1400" i="1" dirty="0">
+              <a:solidFill>
+                <a:schemeClr val="tx1">
+                  <a:lumMod val="65000"/>
+                  <a:lumOff val="35000"/>
+                </a:schemeClr>
+              </a:solidFill>
+            </a:endParaRPr>
           </a:p>
         </p:txBody>
       </p:sp>

--- a/docs/Unkaos architecture.pptx
+++ b/docs/Unkaos architecture.pptx
@@ -6,7 +6,6 @@
   </p:sldMasterIdLst>
   <p:sldIdLst>
     <p:sldId id="256" r:id="rId2"/>
-    <p:sldId id="257" r:id="rId3"/>
   </p:sldIdLst>
   <p:sldSz cx="12192000" cy="6858000"/>
   <p:notesSz cx="6858000" cy="9144000"/>
@@ -260,7 +259,7 @@
           <a:p>
             <a:fld id="{576640B4-D380-441E-B73B-F970C8F15DE2}" type="datetimeFigureOut">
               <a:rPr lang="ru-RU" smtClean="0"/>
-              <a:t>21.04.2024</a:t>
+              <a:t>22.04.2024</a:t>
             </a:fld>
             <a:endParaRPr lang="ru-RU"/>
           </a:p>
@@ -458,7 +457,7 @@
           <a:p>
             <a:fld id="{576640B4-D380-441E-B73B-F970C8F15DE2}" type="datetimeFigureOut">
               <a:rPr lang="ru-RU" smtClean="0"/>
-              <a:t>21.04.2024</a:t>
+              <a:t>22.04.2024</a:t>
             </a:fld>
             <a:endParaRPr lang="ru-RU"/>
           </a:p>
@@ -666,7 +665,7 @@
           <a:p>
             <a:fld id="{576640B4-D380-441E-B73B-F970C8F15DE2}" type="datetimeFigureOut">
               <a:rPr lang="ru-RU" smtClean="0"/>
-              <a:t>21.04.2024</a:t>
+              <a:t>22.04.2024</a:t>
             </a:fld>
             <a:endParaRPr lang="ru-RU"/>
           </a:p>
@@ -864,7 +863,7 @@
           <a:p>
             <a:fld id="{576640B4-D380-441E-B73B-F970C8F15DE2}" type="datetimeFigureOut">
               <a:rPr lang="ru-RU" smtClean="0"/>
-              <a:t>21.04.2024</a:t>
+              <a:t>22.04.2024</a:t>
             </a:fld>
             <a:endParaRPr lang="ru-RU"/>
           </a:p>
@@ -1139,7 +1138,7 @@
           <a:p>
             <a:fld id="{576640B4-D380-441E-B73B-F970C8F15DE2}" type="datetimeFigureOut">
               <a:rPr lang="ru-RU" smtClean="0"/>
-              <a:t>21.04.2024</a:t>
+              <a:t>22.04.2024</a:t>
             </a:fld>
             <a:endParaRPr lang="ru-RU"/>
           </a:p>
@@ -1404,7 +1403,7 @@
           <a:p>
             <a:fld id="{576640B4-D380-441E-B73B-F970C8F15DE2}" type="datetimeFigureOut">
               <a:rPr lang="ru-RU" smtClean="0"/>
-              <a:t>21.04.2024</a:t>
+              <a:t>22.04.2024</a:t>
             </a:fld>
             <a:endParaRPr lang="ru-RU"/>
           </a:p>
@@ -1816,7 +1815,7 @@
           <a:p>
             <a:fld id="{576640B4-D380-441E-B73B-F970C8F15DE2}" type="datetimeFigureOut">
               <a:rPr lang="ru-RU" smtClean="0"/>
-              <a:t>21.04.2024</a:t>
+              <a:t>22.04.2024</a:t>
             </a:fld>
             <a:endParaRPr lang="ru-RU"/>
           </a:p>
@@ -1957,7 +1956,7 @@
           <a:p>
             <a:fld id="{576640B4-D380-441E-B73B-F970C8F15DE2}" type="datetimeFigureOut">
               <a:rPr lang="ru-RU" smtClean="0"/>
-              <a:t>21.04.2024</a:t>
+              <a:t>22.04.2024</a:t>
             </a:fld>
             <a:endParaRPr lang="ru-RU"/>
           </a:p>
@@ -2070,7 +2069,7 @@
           <a:p>
             <a:fld id="{576640B4-D380-441E-B73B-F970C8F15DE2}" type="datetimeFigureOut">
               <a:rPr lang="ru-RU" smtClean="0"/>
-              <a:t>21.04.2024</a:t>
+              <a:t>22.04.2024</a:t>
             </a:fld>
             <a:endParaRPr lang="ru-RU"/>
           </a:p>
@@ -2381,7 +2380,7 @@
           <a:p>
             <a:fld id="{576640B4-D380-441E-B73B-F970C8F15DE2}" type="datetimeFigureOut">
               <a:rPr lang="ru-RU" smtClean="0"/>
-              <a:t>21.04.2024</a:t>
+              <a:t>22.04.2024</a:t>
             </a:fld>
             <a:endParaRPr lang="ru-RU"/>
           </a:p>
@@ -2669,7 +2668,7 @@
           <a:p>
             <a:fld id="{576640B4-D380-441E-B73B-F970C8F15DE2}" type="datetimeFigureOut">
               <a:rPr lang="ru-RU" smtClean="0"/>
-              <a:t>21.04.2024</a:t>
+              <a:t>22.04.2024</a:t>
             </a:fld>
             <a:endParaRPr lang="ru-RU"/>
           </a:p>
@@ -2910,7 +2909,7 @@
           <a:p>
             <a:fld id="{576640B4-D380-441E-B73B-F970C8F15DE2}" type="datetimeFigureOut">
               <a:rPr lang="ru-RU" smtClean="0"/>
-              <a:t>21.04.2024</a:t>
+              <a:t>22.04.2024</a:t>
             </a:fld>
             <a:endParaRPr lang="ru-RU"/>
           </a:p>
@@ -3414,7 +3413,7 @@
           <a:lstStyle/>
           <a:p>
             <a:pPr algn="ctr"/>
-            <a:endParaRPr lang="ru-RU"/>
+            <a:endParaRPr lang="ru-RU" dirty="0"/>
           </a:p>
         </p:txBody>
       </p:sp>
@@ -3932,8 +3931,8 @@
         </p:nvSpPr>
         <p:spPr>
           <a:xfrm>
-            <a:off x="3341518" y="4875947"/>
-            <a:ext cx="1606402" cy="261610"/>
+            <a:off x="3343834" y="4873702"/>
+            <a:ext cx="1604085" cy="263855"/>
           </a:xfrm>
           <a:prstGeom prst="rect">
             <a:avLst/>
@@ -4631,8 +4630,8 @@
         </p:nvSpPr>
         <p:spPr>
           <a:xfrm>
-            <a:off x="8434199" y="4797695"/>
-            <a:ext cx="2068041" cy="307920"/>
+            <a:off x="8506312" y="4805083"/>
+            <a:ext cx="2062275" cy="275644"/>
           </a:xfrm>
           <a:prstGeom prst="rect">
             <a:avLst/>
@@ -4643,7 +4642,7 @@
           <a:bodyPr wrap="square" rtlCol="0">
             <a:prstTxWarp prst="textInflateBottom">
               <a:avLst>
-                <a:gd name="adj" fmla="val 63759"/>
+                <a:gd name="adj" fmla="val 60000"/>
               </a:avLst>
             </a:prstTxWarp>
             <a:spAutoFit/>
@@ -4651,7 +4650,7 @@
           <a:lstStyle/>
           <a:p>
             <a:r>
-              <a:rPr lang="en-US" dirty="0">
+              <a:rPr lang="en-US" sz="1400" dirty="0">
                 <a:solidFill>
                   <a:schemeClr val="bg1"/>
                 </a:solidFill>
@@ -4667,7 +4666,7 @@
               <a:t>DB Cash </a:t>
             </a:r>
             <a:r>
-              <a:rPr lang="en-US" sz="1400" i="1" dirty="0" err="1">
+              <a:rPr lang="en-US" sz="1100" i="1" dirty="0" err="1">
                 <a:solidFill>
                   <a:schemeClr val="bg1">
                     <a:lumMod val="75000"/>
@@ -4685,7 +4684,7 @@
               <a:t>Memcashed</a:t>
             </a:r>
             <a:r>
-              <a:rPr lang="en-US" dirty="0">
+              <a:rPr lang="en-US" sz="1400" dirty="0">
                 <a:solidFill>
                   <a:schemeClr val="bg1"/>
                 </a:solidFill>
@@ -4700,7 +4699,7 @@
               </a:rPr>
               <a:t> </a:t>
             </a:r>
-            <a:endParaRPr lang="ru-RU" dirty="0">
+            <a:endParaRPr lang="ru-RU" sz="1400" dirty="0">
               <a:solidFill>
                 <a:schemeClr val="bg1"/>
               </a:solidFill>
@@ -6039,72 +6038,6 @@
     <p:extLst>
       <p:ext uri="{BB962C8B-B14F-4D97-AF65-F5344CB8AC3E}">
         <p14:creationId xmlns:p14="http://schemas.microsoft.com/office/powerpoint/2010/main" val="868759443"/>
-      </p:ext>
-    </p:extLst>
-  </p:cSld>
-  <p:clrMapOvr>
-    <a:masterClrMapping/>
-  </p:clrMapOvr>
-</p:sld>
-</file>
-
-<file path=ppt/slides/slide2.xml><?xml version="1.0" encoding="utf-8"?>
-<p:sld xmlns:a="http://schemas.openxmlformats.org/drawingml/2006/main" xmlns:r="http://schemas.openxmlformats.org/officeDocument/2006/relationships" xmlns:p="http://schemas.openxmlformats.org/presentationml/2006/main">
-  <p:cSld>
-    <p:spTree>
-      <p:nvGrpSpPr>
-        <p:cNvPr id="1" name=""/>
-        <p:cNvGrpSpPr/>
-        <p:nvPr/>
-      </p:nvGrpSpPr>
-      <p:grpSpPr>
-        <a:xfrm>
-          <a:off x="0" y="0"/>
-          <a:ext cx="0" cy="0"/>
-          <a:chOff x="0" y="0"/>
-          <a:chExt cx="0" cy="0"/>
-        </a:xfrm>
-      </p:grpSpPr>
-      <p:pic>
-        <p:nvPicPr>
-          <p:cNvPr id="3" name="Рисунок 2">
-            <a:extLst>
-              <a:ext uri="{FF2B5EF4-FFF2-40B4-BE49-F238E27FC236}">
-                <a16:creationId xmlns:a16="http://schemas.microsoft.com/office/drawing/2014/main" id="{A704540D-CA7F-413C-BF26-727073FC919E}"/>
-              </a:ext>
-            </a:extLst>
-          </p:cNvPr>
-          <p:cNvPicPr>
-            <a:picLocks noChangeAspect="1"/>
-          </p:cNvPicPr>
-          <p:nvPr/>
-        </p:nvPicPr>
-        <p:blipFill>
-          <a:blip r:embed="rId2">
-            <a:extLst>
-              <a:ext uri="{28A0092B-C50C-407E-A947-70E740481C1C}">
-                <a14:useLocalDpi xmlns:a14="http://schemas.microsoft.com/office/drawing/2010/main" val="0"/>
-              </a:ext>
-            </a:extLst>
-          </a:blip>
-          <a:stretch>
-            <a:fillRect/>
-          </a:stretch>
-        </p:blipFill>
-        <p:spPr>
-          <a:xfrm>
-            <a:off x="1219200" y="689610"/>
-            <a:ext cx="9753600" cy="5478780"/>
-          </a:xfrm>
-          <a:prstGeom prst="rect">
-            <a:avLst/>
-          </a:prstGeom>
-        </p:spPr>
-      </p:pic>
-    </p:spTree>
-    <p:extLst>
-      <p:ext uri="{BB962C8B-B14F-4D97-AF65-F5344CB8AC3E}">
-        <p14:creationId xmlns:p14="http://schemas.microsoft.com/office/powerpoint/2010/main" val="467358163"/>
       </p:ext>
     </p:extLst>
   </p:cSld>
